--- a/AE.pptx
+++ b/AE.pptx
@@ -207,7 +207,7 @@
           <a:p>
             <a:fld id="{72C3CBC7-B3A1-4DB1-BFC1-1B434CB16EBD}" type="datetimeFigureOut">
               <a:rPr lang="zh-CN" altLang="en-US" smtClean="0"/>
-              <a:t>2018/5/25</a:t>
+              <a:t>2018/5/26</a:t>
             </a:fld>
             <a:endParaRPr lang="zh-CN" altLang="en-US"/>
           </a:p>
@@ -956,7 +956,7 @@
           <a:p>
             <a:fld id="{F1D43BD5-D4AA-46B3-BD22-FEEAA04ED2D9}" type="datetimeFigureOut">
               <a:rPr lang="zh-CN" altLang="en-US" smtClean="0"/>
-              <a:t>2018/5/25</a:t>
+              <a:t>2018/5/26</a:t>
             </a:fld>
             <a:endParaRPr lang="zh-CN" altLang="en-US"/>
           </a:p>
@@ -1126,7 +1126,7 @@
           <a:p>
             <a:fld id="{F1D43BD5-D4AA-46B3-BD22-FEEAA04ED2D9}" type="datetimeFigureOut">
               <a:rPr lang="zh-CN" altLang="en-US" smtClean="0"/>
-              <a:t>2018/5/25</a:t>
+              <a:t>2018/5/26</a:t>
             </a:fld>
             <a:endParaRPr lang="zh-CN" altLang="en-US"/>
           </a:p>
@@ -1306,7 +1306,7 @@
           <a:p>
             <a:fld id="{F1D43BD5-D4AA-46B3-BD22-FEEAA04ED2D9}" type="datetimeFigureOut">
               <a:rPr lang="zh-CN" altLang="en-US" smtClean="0"/>
-              <a:t>2018/5/25</a:t>
+              <a:t>2018/5/26</a:t>
             </a:fld>
             <a:endParaRPr lang="zh-CN" altLang="en-US"/>
           </a:p>
@@ -1476,7 +1476,7 @@
           <a:p>
             <a:fld id="{F1D43BD5-D4AA-46B3-BD22-FEEAA04ED2D9}" type="datetimeFigureOut">
               <a:rPr lang="zh-CN" altLang="en-US" smtClean="0"/>
-              <a:t>2018/5/25</a:t>
+              <a:t>2018/5/26</a:t>
             </a:fld>
             <a:endParaRPr lang="zh-CN" altLang="en-US"/>
           </a:p>
@@ -1722,7 +1722,7 @@
           <a:p>
             <a:fld id="{F1D43BD5-D4AA-46B3-BD22-FEEAA04ED2D9}" type="datetimeFigureOut">
               <a:rPr lang="zh-CN" altLang="en-US" smtClean="0"/>
-              <a:t>2018/5/25</a:t>
+              <a:t>2018/5/26</a:t>
             </a:fld>
             <a:endParaRPr lang="zh-CN" altLang="en-US"/>
           </a:p>
@@ -1954,7 +1954,7 @@
           <a:p>
             <a:fld id="{F1D43BD5-D4AA-46B3-BD22-FEEAA04ED2D9}" type="datetimeFigureOut">
               <a:rPr lang="zh-CN" altLang="en-US" smtClean="0"/>
-              <a:t>2018/5/25</a:t>
+              <a:t>2018/5/26</a:t>
             </a:fld>
             <a:endParaRPr lang="zh-CN" altLang="en-US"/>
           </a:p>
@@ -2321,7 +2321,7 @@
           <a:p>
             <a:fld id="{F1D43BD5-D4AA-46B3-BD22-FEEAA04ED2D9}" type="datetimeFigureOut">
               <a:rPr lang="zh-CN" altLang="en-US" smtClean="0"/>
-              <a:t>2018/5/25</a:t>
+              <a:t>2018/5/26</a:t>
             </a:fld>
             <a:endParaRPr lang="zh-CN" altLang="en-US"/>
           </a:p>
@@ -2439,7 +2439,7 @@
           <a:p>
             <a:fld id="{F1D43BD5-D4AA-46B3-BD22-FEEAA04ED2D9}" type="datetimeFigureOut">
               <a:rPr lang="zh-CN" altLang="en-US" smtClean="0"/>
-              <a:t>2018/5/25</a:t>
+              <a:t>2018/5/26</a:t>
             </a:fld>
             <a:endParaRPr lang="zh-CN" altLang="en-US"/>
           </a:p>
@@ -2534,7 +2534,7 @@
           <a:p>
             <a:fld id="{F1D43BD5-D4AA-46B3-BD22-FEEAA04ED2D9}" type="datetimeFigureOut">
               <a:rPr lang="zh-CN" altLang="en-US" smtClean="0"/>
-              <a:t>2018/5/25</a:t>
+              <a:t>2018/5/26</a:t>
             </a:fld>
             <a:endParaRPr lang="zh-CN" altLang="en-US"/>
           </a:p>
@@ -2811,7 +2811,7 @@
           <a:p>
             <a:fld id="{F1D43BD5-D4AA-46B3-BD22-FEEAA04ED2D9}" type="datetimeFigureOut">
               <a:rPr lang="zh-CN" altLang="en-US" smtClean="0"/>
-              <a:t>2018/5/25</a:t>
+              <a:t>2018/5/26</a:t>
             </a:fld>
             <a:endParaRPr lang="zh-CN" altLang="en-US"/>
           </a:p>
@@ -3064,7 +3064,7 @@
           <a:p>
             <a:fld id="{F1D43BD5-D4AA-46B3-BD22-FEEAA04ED2D9}" type="datetimeFigureOut">
               <a:rPr lang="zh-CN" altLang="en-US" smtClean="0"/>
-              <a:t>2018/5/25</a:t>
+              <a:t>2018/5/26</a:t>
             </a:fld>
             <a:endParaRPr lang="zh-CN" altLang="en-US"/>
           </a:p>
@@ -3277,7 +3277,7 @@
           <a:p>
             <a:fld id="{F1D43BD5-D4AA-46B3-BD22-FEEAA04ED2D9}" type="datetimeFigureOut">
               <a:rPr lang="zh-CN" altLang="en-US" smtClean="0"/>
-              <a:t>2018/5/25</a:t>
+              <a:t>2018/5/26</a:t>
             </a:fld>
             <a:endParaRPr lang="zh-CN" altLang="en-US"/>
           </a:p>
@@ -3772,34 +3772,6 @@
       </p:sp>
       <p:sp>
         <p:nvSpPr>
-          <p:cNvPr id="3" name="副标题 2"/>
-          <p:cNvSpPr>
-            <a:spLocks noGrp="1"/>
-          </p:cNvSpPr>
-          <p:nvPr>
-            <p:ph type="subTitle" idx="1"/>
-          </p:nvPr>
-        </p:nvSpPr>
-        <p:spPr>
-          <a:xfrm>
-            <a:off x="1523999" y="3548250"/>
-            <a:ext cx="9144000" cy="1655762"/>
-          </a:xfrm>
-        </p:spPr>
-        <p:txBody>
-          <a:bodyPr/>
-          <a:lstStyle/>
-          <a:p>
-            <a:r>
-              <a:rPr lang="zh-CN" altLang="en-US" dirty="0" smtClean="0"/>
-              <a:t>学 生：  颉军虎       </a:t>
-            </a:r>
-            <a:endParaRPr lang="zh-CN" altLang="en-US" dirty="0"/>
-          </a:p>
-        </p:txBody>
-      </p:sp>
-      <p:sp>
-        <p:nvSpPr>
           <p:cNvPr id="4" name="Rectangle 1"/>
           <p:cNvSpPr>
             <a:spLocks noChangeArrowheads="1"/>
@@ -3878,6 +3850,25 @@
               <a:effectLst/>
               <a:latin typeface="Arial" panose="020B0604020202020204" pitchFamily="34" charset="0"/>
             </a:endParaRPr>
+          </a:p>
+        </p:txBody>
+      </p:sp>
+      <p:sp>
+        <p:nvSpPr>
+          <p:cNvPr id="5" name="副标题 4"/>
+          <p:cNvSpPr>
+            <a:spLocks noGrp="1"/>
+          </p:cNvSpPr>
+          <p:nvPr>
+            <p:ph type="subTitle" idx="1"/>
+          </p:nvPr>
+        </p:nvSpPr>
+        <p:spPr/>
+        <p:txBody>
+          <a:bodyPr/>
+          <a:lstStyle/>
+          <a:p>
+            <a:endParaRPr lang="zh-CN" altLang="en-US"/>
           </a:p>
         </p:txBody>
       </p:sp>
